--- a/Interactive GSSP App/documentation/PowerPoint.pptx
+++ b/Interactive GSSP App/documentation/PowerPoint.pptx
@@ -278,7 +278,7 @@
           <a:p>
             <a:fld id="{76969C88-B244-455D-A017-012B25B1ACDD}" type="datetimeFigureOut">
               <a:rPr lang="en-US" smtClean="0"/>
-              <a:t>8/6/2021</a:t>
+              <a:t>8/16/2021</a:t>
             </a:fld>
             <a:endParaRPr lang="en-US"/>
           </a:p>
@@ -476,7 +476,7 @@
           <a:p>
             <a:fld id="{76969C88-B244-455D-A017-012B25B1ACDD}" type="datetimeFigureOut">
               <a:rPr lang="en-US" smtClean="0"/>
-              <a:t>8/6/2021</a:t>
+              <a:t>8/16/2021</a:t>
             </a:fld>
             <a:endParaRPr lang="en-US"/>
           </a:p>
@@ -684,7 +684,7 @@
           <a:p>
             <a:fld id="{76969C88-B244-455D-A017-012B25B1ACDD}" type="datetimeFigureOut">
               <a:rPr lang="en-US" smtClean="0"/>
-              <a:t>8/6/2021</a:t>
+              <a:t>8/16/2021</a:t>
             </a:fld>
             <a:endParaRPr lang="en-US"/>
           </a:p>
@@ -883,7 +883,7 @@
           <a:p>
             <a:fld id="{76969C88-B244-455D-A017-012B25B1ACDD}" type="datetimeFigureOut">
               <a:rPr lang="en-US" smtClean="0"/>
-              <a:t>8/6/2021</a:t>
+              <a:t>8/16/2021</a:t>
             </a:fld>
             <a:endParaRPr lang="en-US"/>
           </a:p>
@@ -1158,7 +1158,7 @@
           <a:p>
             <a:fld id="{76969C88-B244-455D-A017-012B25B1ACDD}" type="datetimeFigureOut">
               <a:rPr lang="en-US" smtClean="0"/>
-              <a:t>8/6/2021</a:t>
+              <a:t>8/16/2021</a:t>
             </a:fld>
             <a:endParaRPr lang="en-US"/>
           </a:p>
@@ -1423,7 +1423,7 @@
           <a:p>
             <a:fld id="{76969C88-B244-455D-A017-012B25B1ACDD}" type="datetimeFigureOut">
               <a:rPr lang="en-US" smtClean="0"/>
-              <a:t>8/6/2021</a:t>
+              <a:t>8/16/2021</a:t>
             </a:fld>
             <a:endParaRPr lang="en-US"/>
           </a:p>
@@ -1835,7 +1835,7 @@
           <a:p>
             <a:fld id="{76969C88-B244-455D-A017-012B25B1ACDD}" type="datetimeFigureOut">
               <a:rPr lang="en-US" smtClean="0"/>
-              <a:t>8/6/2021</a:t>
+              <a:t>8/16/2021</a:t>
             </a:fld>
             <a:endParaRPr lang="en-US"/>
           </a:p>
@@ -1976,7 +1976,7 @@
           <a:p>
             <a:fld id="{76969C88-B244-455D-A017-012B25B1ACDD}" type="datetimeFigureOut">
               <a:rPr lang="en-US" smtClean="0"/>
-              <a:t>8/6/2021</a:t>
+              <a:t>8/16/2021</a:t>
             </a:fld>
             <a:endParaRPr lang="en-US"/>
           </a:p>
@@ -2089,7 +2089,7 @@
           <a:p>
             <a:fld id="{76969C88-B244-455D-A017-012B25B1ACDD}" type="datetimeFigureOut">
               <a:rPr lang="en-US" smtClean="0"/>
-              <a:t>8/6/2021</a:t>
+              <a:t>8/16/2021</a:t>
             </a:fld>
             <a:endParaRPr lang="en-US"/>
           </a:p>
@@ -2401,7 +2401,7 @@
           <a:p>
             <a:fld id="{76969C88-B244-455D-A017-012B25B1ACDD}" type="datetimeFigureOut">
               <a:rPr lang="en-US" smtClean="0"/>
-              <a:t>8/6/2021</a:t>
+              <a:t>8/16/2021</a:t>
             </a:fld>
             <a:endParaRPr lang="en-US"/>
           </a:p>
@@ -2692,7 +2692,7 @@
           <a:p>
             <a:fld id="{76969C88-B244-455D-A017-012B25B1ACDD}" type="datetimeFigureOut">
               <a:rPr lang="en-US" smtClean="0"/>
-              <a:t>8/6/2021</a:t>
+              <a:t>8/16/2021</a:t>
             </a:fld>
             <a:endParaRPr lang="en-US"/>
           </a:p>
@@ -3448,7 +3448,7 @@
             <a:fld id="{76969C88-B244-455D-A017-012B25B1ACDD}" type="datetimeFigureOut">
               <a:rPr lang="en-US" smtClean="0"/>
               <a:pPr/>
-              <a:t>8/6/2021</a:t>
+              <a:t>8/16/2021</a:t>
             </a:fld>
             <a:endParaRPr lang="en-US"/>
           </a:p>
@@ -5425,8 +5425,17 @@
               <a:rPr lang="en-US" dirty="0">
                 <a:hlinkClick r:id="rId2"/>
               </a:rPr>
-              <a:t>https://github.com/lotkey/Interactive-GSSP-App</a:t>
-            </a:r>
+              <a:t>https://github.com/</a:t>
+            </a:r>
+            <a:r>
+              <a:rPr lang="en-US">
+                <a:hlinkClick r:id="rId2"/>
+              </a:rPr>
+              <a:t>lotkey/DTKB-Apps</a:t>
+            </a:r>
+            <a:endParaRPr lang="en-US"/>
+          </a:p>
+          <a:p>
             <a:endParaRPr lang="en-US" dirty="0"/>
           </a:p>
         </p:txBody>
